--- a/Doc/Overall architecture.pptx
+++ b/Doc/Overall architecture.pptx
@@ -105,6 +105,11 @@
       </a:defRPr>
     </a:lvl9pPr>
   </p:defaultTextStyle>
+  <p:extLst>
+    <p:ext uri="{EFAFB233-063F-42B5-8137-9DF3F51BA10A}">
+      <p15:sldGuideLst xmlns:p15="http://schemas.microsoft.com/office/powerpoint/2012/main"/>
+    </p:ext>
+  </p:extLst>
 </p:presentation>
 </file>
 
@@ -239,7 +244,7 @@
           <a:p>
             <a:fld id="{AEDE560C-FCF5-4A9B-9C26-8C468270EEE7}" type="datetimeFigureOut">
               <a:rPr lang="en-US" smtClean="0"/>
-              <a:t>11/14/2019</a:t>
+              <a:t>11/23/2019</a:t>
             </a:fld>
             <a:endParaRPr lang="en-US"/>
           </a:p>
@@ -409,7 +414,7 @@
           <a:p>
             <a:fld id="{AEDE560C-FCF5-4A9B-9C26-8C468270EEE7}" type="datetimeFigureOut">
               <a:rPr lang="en-US" smtClean="0"/>
-              <a:t>11/14/2019</a:t>
+              <a:t>11/23/2019</a:t>
             </a:fld>
             <a:endParaRPr lang="en-US"/>
           </a:p>
@@ -589,7 +594,7 @@
           <a:p>
             <a:fld id="{AEDE560C-FCF5-4A9B-9C26-8C468270EEE7}" type="datetimeFigureOut">
               <a:rPr lang="en-US" smtClean="0"/>
-              <a:t>11/14/2019</a:t>
+              <a:t>11/23/2019</a:t>
             </a:fld>
             <a:endParaRPr lang="en-US"/>
           </a:p>
@@ -759,7 +764,7 @@
           <a:p>
             <a:fld id="{AEDE560C-FCF5-4A9B-9C26-8C468270EEE7}" type="datetimeFigureOut">
               <a:rPr lang="en-US" smtClean="0"/>
-              <a:t>11/14/2019</a:t>
+              <a:t>11/23/2019</a:t>
             </a:fld>
             <a:endParaRPr lang="en-US"/>
           </a:p>
@@ -1005,7 +1010,7 @@
           <a:p>
             <a:fld id="{AEDE560C-FCF5-4A9B-9C26-8C468270EEE7}" type="datetimeFigureOut">
               <a:rPr lang="en-US" smtClean="0"/>
-              <a:t>11/14/2019</a:t>
+              <a:t>11/23/2019</a:t>
             </a:fld>
             <a:endParaRPr lang="en-US"/>
           </a:p>
@@ -1237,7 +1242,7 @@
           <a:p>
             <a:fld id="{AEDE560C-FCF5-4A9B-9C26-8C468270EEE7}" type="datetimeFigureOut">
               <a:rPr lang="en-US" smtClean="0"/>
-              <a:t>11/14/2019</a:t>
+              <a:t>11/23/2019</a:t>
             </a:fld>
             <a:endParaRPr lang="en-US"/>
           </a:p>
@@ -1604,7 +1609,7 @@
           <a:p>
             <a:fld id="{AEDE560C-FCF5-4A9B-9C26-8C468270EEE7}" type="datetimeFigureOut">
               <a:rPr lang="en-US" smtClean="0"/>
-              <a:t>11/14/2019</a:t>
+              <a:t>11/23/2019</a:t>
             </a:fld>
             <a:endParaRPr lang="en-US"/>
           </a:p>
@@ -1722,7 +1727,7 @@
           <a:p>
             <a:fld id="{AEDE560C-FCF5-4A9B-9C26-8C468270EEE7}" type="datetimeFigureOut">
               <a:rPr lang="en-US" smtClean="0"/>
-              <a:t>11/14/2019</a:t>
+              <a:t>11/23/2019</a:t>
             </a:fld>
             <a:endParaRPr lang="en-US"/>
           </a:p>
@@ -1817,7 +1822,7 @@
           <a:p>
             <a:fld id="{AEDE560C-FCF5-4A9B-9C26-8C468270EEE7}" type="datetimeFigureOut">
               <a:rPr lang="en-US" smtClean="0"/>
-              <a:t>11/14/2019</a:t>
+              <a:t>11/23/2019</a:t>
             </a:fld>
             <a:endParaRPr lang="en-US"/>
           </a:p>
@@ -2094,7 +2099,7 @@
           <a:p>
             <a:fld id="{AEDE560C-FCF5-4A9B-9C26-8C468270EEE7}" type="datetimeFigureOut">
               <a:rPr lang="en-US" smtClean="0"/>
-              <a:t>11/14/2019</a:t>
+              <a:t>11/23/2019</a:t>
             </a:fld>
             <a:endParaRPr lang="en-US"/>
           </a:p>
@@ -2347,7 +2352,7 @@
           <a:p>
             <a:fld id="{AEDE560C-FCF5-4A9B-9C26-8C468270EEE7}" type="datetimeFigureOut">
               <a:rPr lang="en-US" smtClean="0"/>
-              <a:t>11/14/2019</a:t>
+              <a:t>11/23/2019</a:t>
             </a:fld>
             <a:endParaRPr lang="en-US"/>
           </a:p>
@@ -2560,7 +2565,7 @@
           <a:p>
             <a:fld id="{AEDE560C-FCF5-4A9B-9C26-8C468270EEE7}" type="datetimeFigureOut">
               <a:rPr lang="en-US" smtClean="0"/>
-              <a:t>11/14/2019</a:t>
+              <a:t>11/23/2019</a:t>
             </a:fld>
             <a:endParaRPr lang="en-US"/>
           </a:p>
@@ -3093,7 +3098,7 @@
           <a:bodyPr/>
           <a:lstStyle/>
           <a:p>
-            <a:endParaRPr lang="en-US"/>
+            <a:endParaRPr lang="en-US" dirty="0"/>
           </a:p>
         </p:txBody>
       </p:sp>
@@ -3392,8 +3397,8 @@
           <a:p>
             <a:pPr algn="ctr"/>
             <a:r>
-              <a:rPr lang="en-US" dirty="0" err="1" smtClean="0"/>
-              <a:t>gmail</a:t>
+              <a:rPr lang="en-US" dirty="0" smtClean="0"/>
+              <a:t>Gmail</a:t>
             </a:r>
             <a:endParaRPr lang="en-US" dirty="0"/>
           </a:p>

--- a/Doc/Overall architecture.pptx
+++ b/Doc/Overall architecture.pptx
@@ -244,7 +244,7 @@
           <a:p>
             <a:fld id="{AEDE560C-FCF5-4A9B-9C26-8C468270EEE7}" type="datetimeFigureOut">
               <a:rPr lang="en-US" smtClean="0"/>
-              <a:t>11/23/2019</a:t>
+              <a:t>12/9/2019</a:t>
             </a:fld>
             <a:endParaRPr lang="en-US"/>
           </a:p>
@@ -414,7 +414,7 @@
           <a:p>
             <a:fld id="{AEDE560C-FCF5-4A9B-9C26-8C468270EEE7}" type="datetimeFigureOut">
               <a:rPr lang="en-US" smtClean="0"/>
-              <a:t>11/23/2019</a:t>
+              <a:t>12/9/2019</a:t>
             </a:fld>
             <a:endParaRPr lang="en-US"/>
           </a:p>
@@ -594,7 +594,7 @@
           <a:p>
             <a:fld id="{AEDE560C-FCF5-4A9B-9C26-8C468270EEE7}" type="datetimeFigureOut">
               <a:rPr lang="en-US" smtClean="0"/>
-              <a:t>11/23/2019</a:t>
+              <a:t>12/9/2019</a:t>
             </a:fld>
             <a:endParaRPr lang="en-US"/>
           </a:p>
@@ -764,7 +764,7 @@
           <a:p>
             <a:fld id="{AEDE560C-FCF5-4A9B-9C26-8C468270EEE7}" type="datetimeFigureOut">
               <a:rPr lang="en-US" smtClean="0"/>
-              <a:t>11/23/2019</a:t>
+              <a:t>12/9/2019</a:t>
             </a:fld>
             <a:endParaRPr lang="en-US"/>
           </a:p>
@@ -1010,7 +1010,7 @@
           <a:p>
             <a:fld id="{AEDE560C-FCF5-4A9B-9C26-8C468270EEE7}" type="datetimeFigureOut">
               <a:rPr lang="en-US" smtClean="0"/>
-              <a:t>11/23/2019</a:t>
+              <a:t>12/9/2019</a:t>
             </a:fld>
             <a:endParaRPr lang="en-US"/>
           </a:p>
@@ -1242,7 +1242,7 @@
           <a:p>
             <a:fld id="{AEDE560C-FCF5-4A9B-9C26-8C468270EEE7}" type="datetimeFigureOut">
               <a:rPr lang="en-US" smtClean="0"/>
-              <a:t>11/23/2019</a:t>
+              <a:t>12/9/2019</a:t>
             </a:fld>
             <a:endParaRPr lang="en-US"/>
           </a:p>
@@ -1609,7 +1609,7 @@
           <a:p>
             <a:fld id="{AEDE560C-FCF5-4A9B-9C26-8C468270EEE7}" type="datetimeFigureOut">
               <a:rPr lang="en-US" smtClean="0"/>
-              <a:t>11/23/2019</a:t>
+              <a:t>12/9/2019</a:t>
             </a:fld>
             <a:endParaRPr lang="en-US"/>
           </a:p>
@@ -1727,7 +1727,7 @@
           <a:p>
             <a:fld id="{AEDE560C-FCF5-4A9B-9C26-8C468270EEE7}" type="datetimeFigureOut">
               <a:rPr lang="en-US" smtClean="0"/>
-              <a:t>11/23/2019</a:t>
+              <a:t>12/9/2019</a:t>
             </a:fld>
             <a:endParaRPr lang="en-US"/>
           </a:p>
@@ -1822,7 +1822,7 @@
           <a:p>
             <a:fld id="{AEDE560C-FCF5-4A9B-9C26-8C468270EEE7}" type="datetimeFigureOut">
               <a:rPr lang="en-US" smtClean="0"/>
-              <a:t>11/23/2019</a:t>
+              <a:t>12/9/2019</a:t>
             </a:fld>
             <a:endParaRPr lang="en-US"/>
           </a:p>
@@ -2099,7 +2099,7 @@
           <a:p>
             <a:fld id="{AEDE560C-FCF5-4A9B-9C26-8C468270EEE7}" type="datetimeFigureOut">
               <a:rPr lang="en-US" smtClean="0"/>
-              <a:t>11/23/2019</a:t>
+              <a:t>12/9/2019</a:t>
             </a:fld>
             <a:endParaRPr lang="en-US"/>
           </a:p>
@@ -2352,7 +2352,7 @@
           <a:p>
             <a:fld id="{AEDE560C-FCF5-4A9B-9C26-8C468270EEE7}" type="datetimeFigureOut">
               <a:rPr lang="en-US" smtClean="0"/>
-              <a:t>11/23/2019</a:t>
+              <a:t>12/9/2019</a:t>
             </a:fld>
             <a:endParaRPr lang="en-US"/>
           </a:p>
@@ -2565,7 +2565,7 @@
           <a:p>
             <a:fld id="{AEDE560C-FCF5-4A9B-9C26-8C468270EEE7}" type="datetimeFigureOut">
               <a:rPr lang="en-US" smtClean="0"/>
-              <a:t>11/23/2019</a:t>
+              <a:t>12/9/2019</a:t>
             </a:fld>
             <a:endParaRPr lang="en-US"/>
           </a:p>
@@ -3019,7 +3019,7 @@
         <p:spPr>
           <a:xfrm>
             <a:off x="3709358" y="1443283"/>
-            <a:ext cx="3994031" cy="2811586"/>
+            <a:ext cx="4370613" cy="2811586"/>
           </a:xfrm>
           <a:prstGeom prst="rect">
             <a:avLst/>
@@ -3155,7 +3155,7 @@
         <p:spPr>
           <a:xfrm>
             <a:off x="4097546" y="1853526"/>
-            <a:ext cx="3217653" cy="674316"/>
+            <a:ext cx="3691479" cy="674316"/>
           </a:xfrm>
           <a:prstGeom prst="rect">
             <a:avLst/>
@@ -3184,7 +3184,11 @@
             <a:pPr algn="ctr"/>
             <a:r>
               <a:rPr lang="en-US" dirty="0" smtClean="0"/>
-              <a:t>FPT Internship Management</a:t>
+              <a:t>FPT Internship </a:t>
+            </a:r>
+            <a:r>
+              <a:rPr lang="en-US" dirty="0" smtClean="0"/>
+              <a:t>Management System</a:t>
             </a:r>
             <a:endParaRPr lang="en-US" dirty="0"/>
           </a:p>
@@ -3448,8 +3452,8 @@
         </p:nvCxnSpPr>
         <p:spPr>
           <a:xfrm>
-            <a:off x="7703389" y="2849076"/>
-            <a:ext cx="1708030" cy="0"/>
+            <a:off x="8079971" y="2849076"/>
+            <a:ext cx="1331448" cy="0"/>
           </a:xfrm>
           <a:prstGeom prst="straightConnector1">
             <a:avLst/>
